--- a/clases/Cap03_Seleccion_de_Caracteristicas/presentations/PAT03_BranchAndBound.pptx
+++ b/clases/Cap03_Seleccion_de_Caracteristicas/presentations/PAT03_BranchAndBound.pptx
@@ -5994,28 +5994,6 @@
           </a:p>
           <a:p>
             <a:pPr algn="ctr"/>
-            <a:r>
-              <a:rPr lang="es-CL" sz="1200" dirty="0" smtClean="0">
-                <a:solidFill>
-                  <a:schemeClr val="bg1">
-                    <a:lumMod val="75000"/>
-                  </a:schemeClr>
-                </a:solidFill>
-                <a:latin typeface="Trebuchet MS" pitchFamily="34" charset="0"/>
-              </a:rPr>
-              <a:t>Semestre </a:t>
-            </a:r>
-            <a:r>
-              <a:rPr lang="es-CL" sz="1200" dirty="0" smtClean="0">
-                <a:solidFill>
-                  <a:schemeClr val="bg1">
-                    <a:lumMod val="75000"/>
-                  </a:schemeClr>
-                </a:solidFill>
-                <a:latin typeface="Trebuchet MS" pitchFamily="34" charset="0"/>
-              </a:rPr>
-              <a:t>2017-1</a:t>
-            </a:r>
             <a:endParaRPr lang="en-US" sz="1200" dirty="0">
               <a:solidFill>
                 <a:schemeClr val="bg1">
@@ -6353,25 +6331,8 @@
                 <a:latin typeface="Trebuchet MS"/>
                 <a:cs typeface="Trebuchet MS"/>
               </a:rPr>
-              <a:t>: Branch &amp; </a:t>
-            </a:r>
-            <a:r>
-              <a:rPr lang="en-US" sz="2400" b="1" dirty="0" smtClean="0">
-                <a:solidFill>
-                  <a:srgbClr val="FFFFFF"/>
-                </a:solidFill>
-                <a:latin typeface="Trebuchet MS"/>
-                <a:cs typeface="Trebuchet MS"/>
-              </a:rPr>
-              <a:t>Bound</a:t>
-            </a:r>
-            <a:endParaRPr lang="en-US" sz="2400" b="1" dirty="0" smtClean="0">
-              <a:solidFill>
-                <a:srgbClr val="FFFFFF"/>
-              </a:solidFill>
-              <a:latin typeface="Trebuchet MS"/>
-              <a:cs typeface="Trebuchet MS"/>
-            </a:endParaRPr>
+              <a:t>: Branch &amp; Bound</a:t>
+            </a:r>
           </a:p>
           <a:p>
             <a:pPr algn="ctr"/>

--- a/clases/Cap03_Seleccion_de_Caracteristicas/presentations/PAT03_BranchAndBound.pptx
+++ b/clases/Cap03_Seleccion_de_Caracteristicas/presentations/PAT03_BranchAndBound.pptx
@@ -6007,7 +6007,7 @@
                 </a:solidFill>
                 <a:latin typeface="Trebuchet MS" pitchFamily="34" charset="0"/>
               </a:rPr>
-              <a:t>Departmento de Ciencia de la Computación</a:t>
+              <a:t>Departamento de Ciencia de la Computación</a:t>
             </a:r>
           </a:p>
           <a:p>
